--- a/handout/中間発表.pptx
+++ b/handout/中間発表.pptx
@@ -10543,7 +10543,7 @@
           <a:p>
             <a:fld id="{E287A261-33E1-41FC-BC21-7210BC4561B4}" type="datetimeFigureOut">
               <a:rPr kumimoji="1" lang="ja-JP" altLang="en-US" smtClean="0"/>
-              <a:t>2023/10/27</a:t>
+              <a:t>2024/1/3</a:t>
             </a:fld>
             <a:endParaRPr kumimoji="1" lang="ja-JP" altLang="en-US"/>
           </a:p>
@@ -12249,9 +12249,9 @@
             </a:lvl1pPr>
           </a:lstStyle>
           <a:p>
-            <a:fld id="{6BE8722D-17DB-4231-9886-8F6BFAD4E943}" type="datetime1">
+            <a:fld id="{576BA2E1-89AC-4312-B21C-F679768FB39B}" type="datetime1">
               <a:rPr kumimoji="1" lang="ja-JP" altLang="en-US" smtClean="0"/>
-              <a:t>2023/10/27</a:t>
+              <a:t>2024/1/3</a:t>
             </a:fld>
             <a:endParaRPr kumimoji="1" lang="ja-JP" altLang="en-US"/>
           </a:p>
@@ -12281,10 +12281,7 @@
             </a:lvl1pPr>
           </a:lstStyle>
           <a:p>
-            <a:r>
-              <a:rPr kumimoji="1" lang="ja-JP" altLang="en-US"/>
-              <a:t>物理研究室　野村隆晃</a:t>
-            </a:r>
+            <a:endParaRPr kumimoji="1" lang="ja-JP" altLang="en-US"/>
           </a:p>
         </p:txBody>
       </p:sp>
@@ -13743,9 +13740,9 @@
           <a:bodyPr/>
           <a:lstStyle/>
           <a:p>
-            <a:fld id="{0EE41152-F8CB-45E5-B46D-72905FBFD751}" type="datetime1">
+            <a:fld id="{612DCC44-6A90-4F32-96A0-F16B42BD0A9F}" type="datetime1">
               <a:rPr kumimoji="1" lang="ja-JP" altLang="en-US" smtClean="0"/>
-              <a:t>2023/10/27</a:t>
+              <a:t>2024/1/3</a:t>
             </a:fld>
             <a:endParaRPr kumimoji="1" lang="ja-JP" altLang="en-US"/>
           </a:p>
@@ -13766,10 +13763,7 @@
           <a:bodyPr/>
           <a:lstStyle/>
           <a:p>
-            <a:r>
-              <a:rPr kumimoji="1" lang="ja-JP" altLang="en-US"/>
-              <a:t>物理研究室　野村隆晃</a:t>
-            </a:r>
+            <a:endParaRPr kumimoji="1" lang="ja-JP" altLang="en-US"/>
           </a:p>
         </p:txBody>
       </p:sp>
@@ -15231,9 +15225,9 @@
           <a:bodyPr/>
           <a:lstStyle/>
           <a:p>
-            <a:fld id="{1BE9B3F3-2611-498B-8CC7-75D37240523B}" type="datetime1">
+            <a:fld id="{7445BB00-20B4-4FBC-A37D-6351A89E6590}" type="datetime1">
               <a:rPr kumimoji="1" lang="ja-JP" altLang="en-US" smtClean="0"/>
-              <a:t>2023/10/27</a:t>
+              <a:t>2024/1/3</a:t>
             </a:fld>
             <a:endParaRPr kumimoji="1" lang="ja-JP" altLang="en-US"/>
           </a:p>
@@ -15259,10 +15253,7 @@
           <a:bodyPr/>
           <a:lstStyle/>
           <a:p>
-            <a:r>
-              <a:rPr kumimoji="1" lang="ja-JP" altLang="en-US"/>
-              <a:t>物理研究室　野村隆晃</a:t>
-            </a:r>
+            <a:endParaRPr kumimoji="1" lang="ja-JP" altLang="en-US"/>
           </a:p>
         </p:txBody>
       </p:sp>
@@ -16721,9 +16712,9 @@
           <a:bodyPr/>
           <a:lstStyle/>
           <a:p>
-            <a:fld id="{97021949-F8B0-48A9-A48D-5372060D6F81}" type="datetime1">
+            <a:fld id="{AE669DBD-EF79-4694-BD42-F984E73A6141}" type="datetime1">
               <a:rPr kumimoji="1" lang="ja-JP" altLang="en-US" smtClean="0"/>
-              <a:t>2023/10/27</a:t>
+              <a:t>2024/1/3</a:t>
             </a:fld>
             <a:endParaRPr kumimoji="1" lang="ja-JP" altLang="en-US"/>
           </a:p>
@@ -16744,10 +16735,7 @@
           <a:bodyPr/>
           <a:lstStyle/>
           <a:p>
-            <a:r>
-              <a:rPr kumimoji="1" lang="ja-JP" altLang="en-US"/>
-              <a:t>物理研究室　野村隆晃</a:t>
-            </a:r>
+            <a:endParaRPr kumimoji="1" lang="ja-JP" altLang="en-US"/>
           </a:p>
         </p:txBody>
       </p:sp>
@@ -18232,9 +18220,9 @@
           <a:bodyPr/>
           <a:lstStyle/>
           <a:p>
-            <a:fld id="{526461E5-2263-42E5-8F0F-E6B79A09CFD7}" type="datetime1">
+            <a:fld id="{C93266E0-9B09-4F8E-9FC4-6179B0D318AC}" type="datetime1">
               <a:rPr kumimoji="1" lang="ja-JP" altLang="en-US" smtClean="0"/>
-              <a:t>2023/10/27</a:t>
+              <a:t>2024/1/3</a:t>
             </a:fld>
             <a:endParaRPr kumimoji="1" lang="ja-JP" altLang="en-US"/>
           </a:p>
@@ -18264,10 +18252,7 @@
             </a:lvl1pPr>
           </a:lstStyle>
           <a:p>
-            <a:r>
-              <a:rPr kumimoji="1" lang="ja-JP" altLang="en-US"/>
-              <a:t>物理研究室　野村隆晃</a:t>
-            </a:r>
+            <a:endParaRPr kumimoji="1" lang="ja-JP" altLang="en-US"/>
           </a:p>
         </p:txBody>
       </p:sp>
@@ -19820,9 +19805,9 @@
           <a:bodyPr/>
           <a:lstStyle/>
           <a:p>
-            <a:fld id="{9C342A43-3179-43B7-B4CE-70F2C40C4749}" type="datetime1">
+            <a:fld id="{34132C55-9DA3-40AE-885C-8D6682A959E7}" type="datetime1">
               <a:rPr kumimoji="1" lang="ja-JP" altLang="en-US" smtClean="0"/>
-              <a:t>2023/10/27</a:t>
+              <a:t>2024/1/3</a:t>
             </a:fld>
             <a:endParaRPr kumimoji="1" lang="ja-JP" altLang="en-US"/>
           </a:p>
@@ -19848,10 +19833,7 @@
           <a:bodyPr/>
           <a:lstStyle/>
           <a:p>
-            <a:r>
-              <a:rPr kumimoji="1" lang="ja-JP" altLang="en-US"/>
-              <a:t>物理研究室　野村隆晃</a:t>
-            </a:r>
+            <a:endParaRPr kumimoji="1" lang="ja-JP" altLang="en-US"/>
           </a:p>
         </p:txBody>
       </p:sp>
@@ -21552,9 +21534,9 @@
           <a:bodyPr/>
           <a:lstStyle/>
           <a:p>
-            <a:fld id="{F51C0676-4C86-4183-8AD1-C655947C2346}" type="datetime1">
+            <a:fld id="{78091077-E72C-4B22-BD72-3463A55BC4E0}" type="datetime1">
               <a:rPr kumimoji="1" lang="ja-JP" altLang="en-US" smtClean="0"/>
-              <a:t>2023/10/27</a:t>
+              <a:t>2024/1/3</a:t>
             </a:fld>
             <a:endParaRPr kumimoji="1" lang="ja-JP" altLang="en-US"/>
           </a:p>
@@ -21580,10 +21562,7 @@
           <a:bodyPr/>
           <a:lstStyle/>
           <a:p>
-            <a:r>
-              <a:rPr kumimoji="1" lang="ja-JP" altLang="en-US"/>
-              <a:t>物理研究室　野村隆晃</a:t>
-            </a:r>
+            <a:endParaRPr kumimoji="1" lang="ja-JP" altLang="en-US"/>
           </a:p>
         </p:txBody>
       </p:sp>
@@ -22953,9 +22932,9 @@
           <a:bodyPr/>
           <a:lstStyle/>
           <a:p>
-            <a:fld id="{C100E887-59EA-4722-AFE5-1700D86737CA}" type="datetime1">
+            <a:fld id="{CC1C8409-A872-4140-BBE4-954D136BCF78}" type="datetime1">
               <a:rPr kumimoji="1" lang="ja-JP" altLang="en-US" smtClean="0"/>
-              <a:t>2023/10/27</a:t>
+              <a:t>2024/1/3</a:t>
             </a:fld>
             <a:endParaRPr kumimoji="1" lang="ja-JP" altLang="en-US"/>
           </a:p>
@@ -22976,10 +22955,7 @@
           <a:bodyPr/>
           <a:lstStyle/>
           <a:p>
-            <a:r>
-              <a:rPr kumimoji="1" lang="ja-JP" altLang="en-US"/>
-              <a:t>物理研究室　野村隆晃</a:t>
-            </a:r>
+            <a:endParaRPr kumimoji="1" lang="ja-JP" altLang="en-US"/>
           </a:p>
         </p:txBody>
       </p:sp>
@@ -23056,9 +23032,9 @@
           <a:bodyPr/>
           <a:lstStyle/>
           <a:p>
-            <a:fld id="{B7E9E27D-78B2-4E4C-AD12-D06AE3CC2710}" type="datetime1">
+            <a:fld id="{47C22AD9-8DA2-4C7E-B057-F190CB7699F9}" type="datetime1">
               <a:rPr kumimoji="1" lang="ja-JP" altLang="en-US" smtClean="0"/>
-              <a:t>2023/10/27</a:t>
+              <a:t>2024/1/3</a:t>
             </a:fld>
             <a:endParaRPr kumimoji="1" lang="ja-JP" altLang="en-US"/>
           </a:p>
@@ -23084,10 +23060,7 @@
           <a:bodyPr/>
           <a:lstStyle/>
           <a:p>
-            <a:r>
-              <a:rPr kumimoji="1" lang="ja-JP" altLang="en-US"/>
-              <a:t>物理研究室　野村隆晃</a:t>
-            </a:r>
+            <a:endParaRPr kumimoji="1" lang="ja-JP" altLang="en-US"/>
           </a:p>
         </p:txBody>
       </p:sp>
@@ -24617,9 +24590,9 @@
           <a:bodyPr/>
           <a:lstStyle/>
           <a:p>
-            <a:fld id="{555B97B3-CAEC-46A7-9FBD-C493C95E329C}" type="datetime1">
+            <a:fld id="{6A7592D0-1A6F-490F-803F-B7DA14869586}" type="datetime1">
               <a:rPr kumimoji="1" lang="ja-JP" altLang="en-US" smtClean="0"/>
-              <a:t>2023/10/27</a:t>
+              <a:t>2024/1/3</a:t>
             </a:fld>
             <a:endParaRPr kumimoji="1" lang="ja-JP" altLang="en-US"/>
           </a:p>
@@ -24640,10 +24613,7 @@
           <a:bodyPr/>
           <a:lstStyle/>
           <a:p>
-            <a:r>
-              <a:rPr kumimoji="1" lang="ja-JP" altLang="en-US"/>
-              <a:t>物理研究室　野村隆晃</a:t>
-            </a:r>
+            <a:endParaRPr kumimoji="1" lang="ja-JP" altLang="en-US"/>
           </a:p>
         </p:txBody>
       </p:sp>
@@ -26156,9 +26126,9 @@
           <a:bodyPr/>
           <a:lstStyle/>
           <a:p>
-            <a:fld id="{0AD6A3FE-CB5D-44E5-9D22-C1BD966B7E9A}" type="datetime1">
+            <a:fld id="{3C252FA8-F6C0-4B33-B964-212B0EA16439}" type="datetime1">
               <a:rPr kumimoji="1" lang="ja-JP" altLang="en-US" smtClean="0"/>
-              <a:t>2023/10/27</a:t>
+              <a:t>2024/1/3</a:t>
             </a:fld>
             <a:endParaRPr kumimoji="1" lang="ja-JP" altLang="en-US"/>
           </a:p>
@@ -26184,10 +26154,7 @@
           <a:bodyPr/>
           <a:lstStyle/>
           <a:p>
-            <a:r>
-              <a:rPr kumimoji="1" lang="ja-JP" altLang="en-US"/>
-              <a:t>物理研究室　野村隆晃</a:t>
-            </a:r>
+            <a:endParaRPr kumimoji="1" lang="ja-JP" altLang="en-US"/>
           </a:p>
         </p:txBody>
       </p:sp>
@@ -26414,9 +26381,9 @@
             </a:lvl1pPr>
           </a:lstStyle>
           <a:p>
-            <a:fld id="{69900A4D-2B42-4F42-A16E-28E19B3C2E3B}" type="datetime1">
+            <a:fld id="{9BABDD5F-EA4A-45C1-B0B5-C62A438E8AB0}" type="datetime1">
               <a:rPr kumimoji="1" lang="ja-JP" altLang="en-US" smtClean="0"/>
-              <a:t>2023/10/27</a:t>
+              <a:t>2024/1/3</a:t>
             </a:fld>
             <a:endParaRPr kumimoji="1" lang="ja-JP" altLang="en-US"/>
           </a:p>
@@ -26455,10 +26422,7 @@
             </a:lvl1pPr>
           </a:lstStyle>
           <a:p>
-            <a:r>
-              <a:rPr kumimoji="1" lang="ja-JP" altLang="en-US"/>
-              <a:t>物理研究室　野村隆晃</a:t>
-            </a:r>
+            <a:endParaRPr kumimoji="1" lang="ja-JP" altLang="en-US"/>
           </a:p>
         </p:txBody>
       </p:sp>
@@ -26524,7 +26488,7 @@
     <p:sldLayoutId id="2147483670" r:id="rId10"/>
     <p:sldLayoutId id="2147483671" r:id="rId11"/>
   </p:sldLayoutIdLst>
-  <p:hf hdr="0" dt="0"/>
+  <p:hf hdr="0" ftr="0" dt="0"/>
   <p:txStyles>
     <p:titleStyle>
       <a:lvl1pPr algn="ctr" defTabSz="914400" rtl="0" eaLnBrk="1" latinLnBrk="0" hangingPunct="1">
@@ -26933,37 +26897,10 @@
           <a:lstStyle/>
           <a:p>
             <a:r>
-              <a:rPr lang="ja-JP" altLang="en-US" dirty="0"/>
-              <a:t>宇治野・高橋研究室　野村隆晃</a:t>
+              <a:rPr lang="en-US" altLang="ja-JP" dirty="0"/>
+              <a:t>name</a:t>
             </a:r>
-          </a:p>
-        </p:txBody>
-      </p:sp>
-      <p:sp>
-        <p:nvSpPr>
-          <p:cNvPr id="2" name="フッター プレースホルダー 1">
-            <a:extLst>
-              <a:ext uri="{FF2B5EF4-FFF2-40B4-BE49-F238E27FC236}">
-                <a16:creationId xmlns:a16="http://schemas.microsoft.com/office/drawing/2014/main" id="{980708C4-CEF7-8037-615B-A74AD67F77D0}"/>
-              </a:ext>
-            </a:extLst>
-          </p:cNvPr>
-          <p:cNvSpPr>
-            <a:spLocks noGrp="1"/>
-          </p:cNvSpPr>
-          <p:nvPr>
-            <p:ph type="ftr" sz="quarter" idx="11"/>
-          </p:nvPr>
-        </p:nvSpPr>
-        <p:spPr/>
-        <p:txBody>
-          <a:bodyPr/>
-          <a:lstStyle/>
-          <a:p>
-            <a:r>
-              <a:rPr kumimoji="1" lang="ja-JP" altLang="en-US"/>
-              <a:t>物理研究室　野村隆晃</a:t>
-            </a:r>
+            <a:endParaRPr lang="ja-JP" altLang="en-US" dirty="0"/>
           </a:p>
         </p:txBody>
       </p:sp>
@@ -27077,34 +27014,6 @@
                 </a:solidFill>
               </a:rPr>
               <a:t>不等式の導出と検証</a:t>
-            </a:r>
-          </a:p>
-        </p:txBody>
-      </p:sp>
-      <p:sp>
-        <p:nvSpPr>
-          <p:cNvPr id="2" name="フッター プレースホルダー 1">
-            <a:extLst>
-              <a:ext uri="{FF2B5EF4-FFF2-40B4-BE49-F238E27FC236}">
-                <a16:creationId xmlns:a16="http://schemas.microsoft.com/office/drawing/2014/main" id="{6DA953E6-AF27-DA5E-F11D-BFB601DEE6A7}"/>
-              </a:ext>
-            </a:extLst>
-          </p:cNvPr>
-          <p:cNvSpPr>
-            <a:spLocks noGrp="1"/>
-          </p:cNvSpPr>
-          <p:nvPr>
-            <p:ph type="ftr" sz="quarter" idx="11"/>
-          </p:nvPr>
-        </p:nvSpPr>
-        <p:spPr/>
-        <p:txBody>
-          <a:bodyPr/>
-          <a:lstStyle/>
-          <a:p>
-            <a:r>
-              <a:rPr kumimoji="1" lang="ja-JP" altLang="en-US" dirty="0"/>
-              <a:t>物理研究室　野村隆晃</a:t>
             </a:r>
           </a:p>
         </p:txBody>
@@ -29274,39 +29183,6 @@
                 </a:solidFill>
               </a:rPr>
               <a:t>不等式が破れている実験例</a:t>
-            </a:r>
-          </a:p>
-        </p:txBody>
-      </p:sp>
-      <p:sp>
-        <p:nvSpPr>
-          <p:cNvPr id="2" name="フッター プレースホルダー 1">
-            <a:extLst>
-              <a:ext uri="{FF2B5EF4-FFF2-40B4-BE49-F238E27FC236}">
-                <a16:creationId xmlns:a16="http://schemas.microsoft.com/office/drawing/2014/main" id="{6DA953E6-AF27-DA5E-F11D-BFB601DEE6A7}"/>
-              </a:ext>
-            </a:extLst>
-          </p:cNvPr>
-          <p:cNvSpPr>
-            <a:spLocks noGrp="1"/>
-          </p:cNvSpPr>
-          <p:nvPr>
-            <p:ph type="ftr" sz="quarter" idx="11"/>
-          </p:nvPr>
-        </p:nvSpPr>
-        <p:spPr>
-          <a:xfrm>
-            <a:off x="668211" y="6533198"/>
-            <a:ext cx="10588752" cy="320040"/>
-          </a:xfrm>
-        </p:spPr>
-        <p:txBody>
-          <a:bodyPr/>
-          <a:lstStyle/>
-          <a:p>
-            <a:r>
-              <a:rPr kumimoji="1" lang="ja-JP" altLang="en-US" dirty="0"/>
-              <a:t>物理研究室　野村隆晃</a:t>
             </a:r>
           </a:p>
         </p:txBody>
@@ -31721,39 +31597,6 @@
                 </a:solidFill>
               </a:rPr>
               <a:t>まとめ</a:t>
-            </a:r>
-          </a:p>
-        </p:txBody>
-      </p:sp>
-      <p:sp>
-        <p:nvSpPr>
-          <p:cNvPr id="2" name="フッター プレースホルダー 1">
-            <a:extLst>
-              <a:ext uri="{FF2B5EF4-FFF2-40B4-BE49-F238E27FC236}">
-                <a16:creationId xmlns:a16="http://schemas.microsoft.com/office/drawing/2014/main" id="{6DA953E6-AF27-DA5E-F11D-BFB601DEE6A7}"/>
-              </a:ext>
-            </a:extLst>
-          </p:cNvPr>
-          <p:cNvSpPr>
-            <a:spLocks noGrp="1"/>
-          </p:cNvSpPr>
-          <p:nvPr>
-            <p:ph type="ftr" sz="quarter" idx="11"/>
-          </p:nvPr>
-        </p:nvSpPr>
-        <p:spPr>
-          <a:xfrm>
-            <a:off x="668211" y="6533198"/>
-            <a:ext cx="10816550" cy="298109"/>
-          </a:xfrm>
-        </p:spPr>
-        <p:txBody>
-          <a:bodyPr/>
-          <a:lstStyle/>
-          <a:p>
-            <a:r>
-              <a:rPr kumimoji="1" lang="ja-JP" altLang="en-US" dirty="0"/>
-              <a:t>物理研究室　野村隆晃</a:t>
             </a:r>
           </a:p>
         </p:txBody>
@@ -32248,34 +32091,6 @@
       </p:sp>
       <p:sp>
         <p:nvSpPr>
-          <p:cNvPr id="4" name="フッター プレースホルダー 3">
-            <a:extLst>
-              <a:ext uri="{FF2B5EF4-FFF2-40B4-BE49-F238E27FC236}">
-                <a16:creationId xmlns:a16="http://schemas.microsoft.com/office/drawing/2014/main" id="{E4CF549A-2900-C755-9884-7102B3E18EF0}"/>
-              </a:ext>
-            </a:extLst>
-          </p:cNvPr>
-          <p:cNvSpPr>
-            <a:spLocks noGrp="1"/>
-          </p:cNvSpPr>
-          <p:nvPr>
-            <p:ph type="ftr" sz="quarter" idx="11"/>
-          </p:nvPr>
-        </p:nvSpPr>
-        <p:spPr/>
-        <p:txBody>
-          <a:bodyPr/>
-          <a:lstStyle/>
-          <a:p>
-            <a:r>
-              <a:rPr kumimoji="1" lang="ja-JP" altLang="en-US"/>
-              <a:t>物理研究室　野村隆晃</a:t>
-            </a:r>
-          </a:p>
-        </p:txBody>
-      </p:sp>
-      <p:sp>
-        <p:nvSpPr>
           <p:cNvPr id="5" name="スライド番号プレースホルダー 4">
             <a:extLst>
               <a:ext uri="{FF2B5EF4-FFF2-40B4-BE49-F238E27FC236}">
@@ -32363,34 +32178,6 @@
       </p:sp>
       <p:sp>
         <p:nvSpPr>
-          <p:cNvPr id="4" name="フッター プレースホルダー 3">
-            <a:extLst>
-              <a:ext uri="{FF2B5EF4-FFF2-40B4-BE49-F238E27FC236}">
-                <a16:creationId xmlns:a16="http://schemas.microsoft.com/office/drawing/2014/main" id="{1F1771D9-3BC6-273B-938F-2AD0DDA308BA}"/>
-              </a:ext>
-            </a:extLst>
-          </p:cNvPr>
-          <p:cNvSpPr>
-            <a:spLocks noGrp="1"/>
-          </p:cNvSpPr>
-          <p:nvPr>
-            <p:ph type="ftr" sz="quarter" idx="11"/>
-          </p:nvPr>
-        </p:nvSpPr>
-        <p:spPr/>
-        <p:txBody>
-          <a:bodyPr/>
-          <a:lstStyle/>
-          <a:p>
-            <a:r>
-              <a:rPr kumimoji="1" lang="ja-JP" altLang="en-US"/>
-              <a:t>物理研究室　野村隆晃</a:t>
-            </a:r>
-          </a:p>
-        </p:txBody>
-      </p:sp>
-      <p:sp>
-        <p:nvSpPr>
           <p:cNvPr id="5" name="スライド番号プレースホルダー 4">
             <a:extLst>
               <a:ext uri="{FF2B5EF4-FFF2-40B4-BE49-F238E27FC236}">
@@ -32478,34 +32265,6 @@
       </p:sp>
       <p:sp>
         <p:nvSpPr>
-          <p:cNvPr id="4" name="フッター プレースホルダー 3">
-            <a:extLst>
-              <a:ext uri="{FF2B5EF4-FFF2-40B4-BE49-F238E27FC236}">
-                <a16:creationId xmlns:a16="http://schemas.microsoft.com/office/drawing/2014/main" id="{35A808F7-A1AE-ADF5-7FEB-D47BD513FCD3}"/>
-              </a:ext>
-            </a:extLst>
-          </p:cNvPr>
-          <p:cNvSpPr>
-            <a:spLocks noGrp="1"/>
-          </p:cNvSpPr>
-          <p:nvPr>
-            <p:ph type="ftr" sz="quarter" idx="11"/>
-          </p:nvPr>
-        </p:nvSpPr>
-        <p:spPr/>
-        <p:txBody>
-          <a:bodyPr/>
-          <a:lstStyle/>
-          <a:p>
-            <a:r>
-              <a:rPr kumimoji="1" lang="ja-JP" altLang="en-US"/>
-              <a:t>物理研究室　野村隆晃</a:t>
-            </a:r>
-          </a:p>
-        </p:txBody>
-      </p:sp>
-      <p:sp>
-        <p:nvSpPr>
           <p:cNvPr id="5" name="スライド番号プレースホルダー 4">
             <a:extLst>
               <a:ext uri="{FF2B5EF4-FFF2-40B4-BE49-F238E27FC236}">
@@ -32777,39 +32536,6 @@
             <a:r>
               <a:rPr kumimoji="1" lang="ja-JP" altLang="en-US" dirty="0"/>
               <a:t>最小単位が存在</a:t>
-            </a:r>
-          </a:p>
-        </p:txBody>
-      </p:sp>
-      <p:sp>
-        <p:nvSpPr>
-          <p:cNvPr id="4" name="フッター プレースホルダー 3">
-            <a:extLst>
-              <a:ext uri="{FF2B5EF4-FFF2-40B4-BE49-F238E27FC236}">
-                <a16:creationId xmlns:a16="http://schemas.microsoft.com/office/drawing/2014/main" id="{BD45AF42-1263-9385-DFB0-55F1208615F6}"/>
-              </a:ext>
-            </a:extLst>
-          </p:cNvPr>
-          <p:cNvSpPr>
-            <a:spLocks noGrp="1"/>
-          </p:cNvSpPr>
-          <p:nvPr>
-            <p:ph type="ftr" sz="quarter" idx="11"/>
-          </p:nvPr>
-        </p:nvSpPr>
-        <p:spPr>
-          <a:xfrm>
-            <a:off x="739647" y="5697305"/>
-            <a:ext cx="10588752" cy="320040"/>
-          </a:xfrm>
-        </p:spPr>
-        <p:txBody>
-          <a:bodyPr/>
-          <a:lstStyle/>
-          <a:p>
-            <a:r>
-              <a:rPr kumimoji="1" lang="ja-JP" altLang="en-US" dirty="0"/>
-              <a:t>物理研究室　野村隆晃</a:t>
             </a:r>
           </a:p>
         </p:txBody>
@@ -33778,39 +33504,6 @@
               <a:t>)</a:t>
             </a:r>
             <a:endParaRPr kumimoji="1" lang="ja-JP" altLang="en-US" dirty="0"/>
-          </a:p>
-        </p:txBody>
-      </p:sp>
-      <p:sp>
-        <p:nvSpPr>
-          <p:cNvPr id="4" name="フッター プレースホルダー 3">
-            <a:extLst>
-              <a:ext uri="{FF2B5EF4-FFF2-40B4-BE49-F238E27FC236}">
-                <a16:creationId xmlns:a16="http://schemas.microsoft.com/office/drawing/2014/main" id="{824B6F31-7206-94D4-EFC7-0D6C05401B39}"/>
-              </a:ext>
-            </a:extLst>
-          </p:cNvPr>
-          <p:cNvSpPr>
-            <a:spLocks noGrp="1"/>
-          </p:cNvSpPr>
-          <p:nvPr>
-            <p:ph type="ftr" sz="quarter" idx="11"/>
-          </p:nvPr>
-        </p:nvSpPr>
-        <p:spPr>
-          <a:xfrm>
-            <a:off x="918505" y="5907024"/>
-            <a:ext cx="10588752" cy="320040"/>
-          </a:xfrm>
-        </p:spPr>
-        <p:txBody>
-          <a:bodyPr/>
-          <a:lstStyle/>
-          <a:p>
-            <a:r>
-              <a:rPr kumimoji="1" lang="ja-JP" altLang="en-US"/>
-              <a:t>物理研究室　野村隆晃</a:t>
-            </a:r>
           </a:p>
         </p:txBody>
       </p:sp>
@@ -34489,39 +34182,6 @@
       </p:sp>
       <p:sp>
         <p:nvSpPr>
-          <p:cNvPr id="32" name="フッター プレースホルダー 31">
-            <a:extLst>
-              <a:ext uri="{FF2B5EF4-FFF2-40B4-BE49-F238E27FC236}">
-                <a16:creationId xmlns:a16="http://schemas.microsoft.com/office/drawing/2014/main" id="{496A96F2-196A-7D62-A7BD-B5D1FD9D4886}"/>
-              </a:ext>
-            </a:extLst>
-          </p:cNvPr>
-          <p:cNvSpPr>
-            <a:spLocks noGrp="1"/>
-          </p:cNvSpPr>
-          <p:nvPr>
-            <p:ph type="ftr" sz="quarter" idx="11"/>
-          </p:nvPr>
-        </p:nvSpPr>
-        <p:spPr>
-          <a:xfrm>
-            <a:off x="841883" y="6177489"/>
-            <a:ext cx="10588752" cy="320040"/>
-          </a:xfrm>
-        </p:spPr>
-        <p:txBody>
-          <a:bodyPr/>
-          <a:lstStyle/>
-          <a:p>
-            <a:r>
-              <a:rPr kumimoji="1" lang="ja-JP" altLang="en-US" dirty="0"/>
-              <a:t>物理研究室　野村隆晃</a:t>
-            </a:r>
-          </a:p>
-        </p:txBody>
-      </p:sp>
-      <p:sp>
-        <p:nvSpPr>
           <p:cNvPr id="33" name="スライド番号プレースホルダー 32">
             <a:extLst>
               <a:ext uri="{FF2B5EF4-FFF2-40B4-BE49-F238E27FC236}">
@@ -34751,39 +34411,6 @@
                 <a:schemeClr val="tx1"/>
               </a:solidFill>
             </a:endParaRPr>
-          </a:p>
-        </p:txBody>
-      </p:sp>
-      <p:sp>
-        <p:nvSpPr>
-          <p:cNvPr id="2" name="フッター プレースホルダー 1">
-            <a:extLst>
-              <a:ext uri="{FF2B5EF4-FFF2-40B4-BE49-F238E27FC236}">
-                <a16:creationId xmlns:a16="http://schemas.microsoft.com/office/drawing/2014/main" id="{6DA953E6-AF27-DA5E-F11D-BFB601DEE6A7}"/>
-              </a:ext>
-            </a:extLst>
-          </p:cNvPr>
-          <p:cNvSpPr>
-            <a:spLocks noGrp="1"/>
-          </p:cNvSpPr>
-          <p:nvPr>
-            <p:ph type="ftr" sz="quarter" idx="11"/>
-          </p:nvPr>
-        </p:nvSpPr>
-        <p:spPr>
-          <a:xfrm>
-            <a:off x="707690" y="12087537"/>
-            <a:ext cx="10588752" cy="320040"/>
-          </a:xfrm>
-        </p:spPr>
-        <p:txBody>
-          <a:bodyPr/>
-          <a:lstStyle/>
-          <a:p>
-            <a:r>
-              <a:rPr kumimoji="1" lang="ja-JP" altLang="en-US" dirty="0"/>
-              <a:t>理研究室　野村隆晃</a:t>
-            </a:r>
           </a:p>
         </p:txBody>
       </p:sp>
@@ -36848,34 +36475,6 @@
                 </a:solidFill>
               </a:rPr>
               <a:t>局所実在性</a:t>
-            </a:r>
-          </a:p>
-        </p:txBody>
-      </p:sp>
-      <p:sp>
-        <p:nvSpPr>
-          <p:cNvPr id="2" name="フッター プレースホルダー 1">
-            <a:extLst>
-              <a:ext uri="{FF2B5EF4-FFF2-40B4-BE49-F238E27FC236}">
-                <a16:creationId xmlns:a16="http://schemas.microsoft.com/office/drawing/2014/main" id="{29A8708D-8458-B92F-1627-E8F43391FB16}"/>
-              </a:ext>
-            </a:extLst>
-          </p:cNvPr>
-          <p:cNvSpPr>
-            <a:spLocks noGrp="1"/>
-          </p:cNvSpPr>
-          <p:nvPr>
-            <p:ph type="ftr" sz="quarter" idx="11"/>
-          </p:nvPr>
-        </p:nvSpPr>
-        <p:spPr/>
-        <p:txBody>
-          <a:bodyPr/>
-          <a:lstStyle/>
-          <a:p>
-            <a:r>
-              <a:rPr kumimoji="1" lang="ja-JP" altLang="en-US" dirty="0"/>
-              <a:t>物理研究室　野村隆晃</a:t>
             </a:r>
           </a:p>
         </p:txBody>
@@ -37209,34 +36808,6 @@
       </p:sp>
       <p:sp>
         <p:nvSpPr>
-          <p:cNvPr id="2" name="フッター プレースホルダー 1">
-            <a:extLst>
-              <a:ext uri="{FF2B5EF4-FFF2-40B4-BE49-F238E27FC236}">
-                <a16:creationId xmlns:a16="http://schemas.microsoft.com/office/drawing/2014/main" id="{6DA953E6-AF27-DA5E-F11D-BFB601DEE6A7}"/>
-              </a:ext>
-            </a:extLst>
-          </p:cNvPr>
-          <p:cNvSpPr>
-            <a:spLocks noGrp="1"/>
-          </p:cNvSpPr>
-          <p:nvPr>
-            <p:ph type="ftr" sz="quarter" idx="11"/>
-          </p:nvPr>
-        </p:nvSpPr>
-        <p:spPr/>
-        <p:txBody>
-          <a:bodyPr/>
-          <a:lstStyle/>
-          <a:p>
-            <a:r>
-              <a:rPr kumimoji="1" lang="ja-JP" altLang="en-US"/>
-              <a:t>物理研究室　野村隆晃</a:t>
-            </a:r>
-          </a:p>
-        </p:txBody>
-      </p:sp>
-      <p:sp>
-        <p:nvSpPr>
           <p:cNvPr id="3" name="スライド番号プレースホルダー 2">
             <a:extLst>
               <a:ext uri="{FF2B5EF4-FFF2-40B4-BE49-F238E27FC236}">
@@ -39587,39 +39158,6 @@
                 </a:solidFill>
               </a:rPr>
               <a:t>不等式</a:t>
-            </a:r>
-          </a:p>
-        </p:txBody>
-      </p:sp>
-      <p:sp>
-        <p:nvSpPr>
-          <p:cNvPr id="2" name="フッター プレースホルダー 1">
-            <a:extLst>
-              <a:ext uri="{FF2B5EF4-FFF2-40B4-BE49-F238E27FC236}">
-                <a16:creationId xmlns:a16="http://schemas.microsoft.com/office/drawing/2014/main" id="{6DA953E6-AF27-DA5E-F11D-BFB601DEE6A7}"/>
-              </a:ext>
-            </a:extLst>
-          </p:cNvPr>
-          <p:cNvSpPr>
-            <a:spLocks noGrp="1"/>
-          </p:cNvSpPr>
-          <p:nvPr>
-            <p:ph type="ftr" sz="quarter" idx="11"/>
-          </p:nvPr>
-        </p:nvSpPr>
-        <p:spPr>
-          <a:xfrm>
-            <a:off x="9074912" y="2761376"/>
-            <a:ext cx="10588752" cy="320040"/>
-          </a:xfrm>
-        </p:spPr>
-        <p:txBody>
-          <a:bodyPr/>
-          <a:lstStyle/>
-          <a:p>
-            <a:r>
-              <a:rPr kumimoji="1" lang="ja-JP" altLang="en-US" dirty="0"/>
-              <a:t>物理研究室　野村隆晃</a:t>
             </a:r>
           </a:p>
         </p:txBody>
@@ -40767,34 +40305,6 @@
                 </a:solidFill>
               </a:rPr>
               <a:t>不等式</a:t>
-            </a:r>
-          </a:p>
-        </p:txBody>
-      </p:sp>
-      <p:sp>
-        <p:nvSpPr>
-          <p:cNvPr id="2" name="フッター プレースホルダー 1">
-            <a:extLst>
-              <a:ext uri="{FF2B5EF4-FFF2-40B4-BE49-F238E27FC236}">
-                <a16:creationId xmlns:a16="http://schemas.microsoft.com/office/drawing/2014/main" id="{6DA953E6-AF27-DA5E-F11D-BFB601DEE6A7}"/>
-              </a:ext>
-            </a:extLst>
-          </p:cNvPr>
-          <p:cNvSpPr>
-            <a:spLocks noGrp="1"/>
-          </p:cNvSpPr>
-          <p:nvPr>
-            <p:ph type="ftr" sz="quarter" idx="11"/>
-          </p:nvPr>
-        </p:nvSpPr>
-        <p:spPr/>
-        <p:txBody>
-          <a:bodyPr/>
-          <a:lstStyle/>
-          <a:p>
-            <a:r>
-              <a:rPr kumimoji="1" lang="ja-JP" altLang="en-US" dirty="0"/>
-              <a:t>物理研究室　野村隆晃</a:t>
             </a:r>
           </a:p>
         </p:txBody>
@@ -43309,34 +42819,6 @@
       </p:sp>
       <p:sp>
         <p:nvSpPr>
-          <p:cNvPr id="2" name="フッター プレースホルダー 1">
-            <a:extLst>
-              <a:ext uri="{FF2B5EF4-FFF2-40B4-BE49-F238E27FC236}">
-                <a16:creationId xmlns:a16="http://schemas.microsoft.com/office/drawing/2014/main" id="{6DA953E6-AF27-DA5E-F11D-BFB601DEE6A7}"/>
-              </a:ext>
-            </a:extLst>
-          </p:cNvPr>
-          <p:cNvSpPr>
-            <a:spLocks noGrp="1"/>
-          </p:cNvSpPr>
-          <p:nvPr>
-            <p:ph type="ftr" sz="quarter" idx="11"/>
-          </p:nvPr>
-        </p:nvSpPr>
-        <p:spPr/>
-        <p:txBody>
-          <a:bodyPr/>
-          <a:lstStyle/>
-          <a:p>
-            <a:r>
-              <a:rPr kumimoji="1" lang="ja-JP" altLang="en-US"/>
-              <a:t>物理研究室　野村隆晃</a:t>
-            </a:r>
-          </a:p>
-        </p:txBody>
-      </p:sp>
-      <p:sp>
-        <p:nvSpPr>
           <p:cNvPr id="3" name="スライド番号プレースホルダー 2">
             <a:extLst>
               <a:ext uri="{FF2B5EF4-FFF2-40B4-BE49-F238E27FC236}">
@@ -45450,34 +44932,6 @@
       </p:sp>
       <p:sp>
         <p:nvSpPr>
-          <p:cNvPr id="2" name="フッター プレースホルダー 1">
-            <a:extLst>
-              <a:ext uri="{FF2B5EF4-FFF2-40B4-BE49-F238E27FC236}">
-                <a16:creationId xmlns:a16="http://schemas.microsoft.com/office/drawing/2014/main" id="{6DA953E6-AF27-DA5E-F11D-BFB601DEE6A7}"/>
-              </a:ext>
-            </a:extLst>
-          </p:cNvPr>
-          <p:cNvSpPr>
-            <a:spLocks noGrp="1"/>
-          </p:cNvSpPr>
-          <p:nvPr>
-            <p:ph type="ftr" sz="quarter" idx="11"/>
-          </p:nvPr>
-        </p:nvSpPr>
-        <p:spPr/>
-        <p:txBody>
-          <a:bodyPr/>
-          <a:lstStyle/>
-          <a:p>
-            <a:r>
-              <a:rPr kumimoji="1" lang="ja-JP" altLang="en-US"/>
-              <a:t>物理研究室　野村隆晃</a:t>
-            </a:r>
-          </a:p>
-        </p:txBody>
-      </p:sp>
-      <p:sp>
-        <p:nvSpPr>
           <p:cNvPr id="3" name="スライド番号プレースホルダー 2">
             <a:extLst>
               <a:ext uri="{FF2B5EF4-FFF2-40B4-BE49-F238E27FC236}">
@@ -45729,39 +45183,6 @@
                 </a:solidFill>
               </a:rPr>
               <a:t>不等式の検証</a:t>
-            </a:r>
-          </a:p>
-        </p:txBody>
-      </p:sp>
-      <p:sp>
-        <p:nvSpPr>
-          <p:cNvPr id="2" name="フッター プレースホルダー 1">
-            <a:extLst>
-              <a:ext uri="{FF2B5EF4-FFF2-40B4-BE49-F238E27FC236}">
-                <a16:creationId xmlns:a16="http://schemas.microsoft.com/office/drawing/2014/main" id="{6DA953E6-AF27-DA5E-F11D-BFB601DEE6A7}"/>
-              </a:ext>
-            </a:extLst>
-          </p:cNvPr>
-          <p:cNvSpPr>
-            <a:spLocks noGrp="1"/>
-          </p:cNvSpPr>
-          <p:nvPr>
-            <p:ph type="ftr" sz="quarter" idx="11"/>
-          </p:nvPr>
-        </p:nvSpPr>
-        <p:spPr>
-          <a:xfrm>
-            <a:off x="9074912" y="2761376"/>
-            <a:ext cx="10588752" cy="320040"/>
-          </a:xfrm>
-        </p:spPr>
-        <p:txBody>
-          <a:bodyPr/>
-          <a:lstStyle/>
-          <a:p>
-            <a:r>
-              <a:rPr kumimoji="1" lang="ja-JP" altLang="en-US" dirty="0"/>
-              <a:t>物理研究室　野村隆晃</a:t>
             </a:r>
           </a:p>
         </p:txBody>
@@ -48584,39 +48005,6 @@
                 </a:solidFill>
               </a:rPr>
               <a:t>不等式が破れている例</a:t>
-            </a:r>
-          </a:p>
-        </p:txBody>
-      </p:sp>
-      <p:sp>
-        <p:nvSpPr>
-          <p:cNvPr id="2" name="フッター プレースホルダー 1">
-            <a:extLst>
-              <a:ext uri="{FF2B5EF4-FFF2-40B4-BE49-F238E27FC236}">
-                <a16:creationId xmlns:a16="http://schemas.microsoft.com/office/drawing/2014/main" id="{6DA953E6-AF27-DA5E-F11D-BFB601DEE6A7}"/>
-              </a:ext>
-            </a:extLst>
-          </p:cNvPr>
-          <p:cNvSpPr>
-            <a:spLocks noGrp="1"/>
-          </p:cNvSpPr>
-          <p:nvPr>
-            <p:ph type="ftr" sz="quarter" idx="11"/>
-          </p:nvPr>
-        </p:nvSpPr>
-        <p:spPr>
-          <a:xfrm>
-            <a:off x="668211" y="6533198"/>
-            <a:ext cx="10588752" cy="320040"/>
-          </a:xfrm>
-        </p:spPr>
-        <p:txBody>
-          <a:bodyPr/>
-          <a:lstStyle/>
-          <a:p>
-            <a:r>
-              <a:rPr kumimoji="1" lang="ja-JP" altLang="en-US" dirty="0"/>
-              <a:t>物理研究室　野村隆晃</a:t>
             </a:r>
           </a:p>
         </p:txBody>
